--- a/Figures_EP/Arcs/Architecture_Bigger.pptx
+++ b/Figures_EP/Arcs/Architecture_Bigger.pptx
@@ -197,7 +197,7 @@
           <a:p>
             <a:fld id="{4F2B3EEC-C8B4-0543-943F-91B3791C5E43}" type="datetimeFigureOut">
               <a:rPr lang="en-US" smtClean="0"/>
-              <a:t>3/12/24</a:t>
+              <a:t>3/15/24</a:t>
             </a:fld>
             <a:endParaRPr lang="en-US"/>
           </a:p>
@@ -734,7 +734,7 @@
           <a:p>
             <a:fld id="{697CBF4A-2AD2-1249-BC5E-D6BCA9656194}" type="datetimeFigureOut">
               <a:rPr lang="en-US" smtClean="0"/>
-              <a:t>3/12/24</a:t>
+              <a:t>3/15/24</a:t>
             </a:fld>
             <a:endParaRPr lang="en-US"/>
           </a:p>
@@ -932,7 +932,7 @@
           <a:p>
             <a:fld id="{697CBF4A-2AD2-1249-BC5E-D6BCA9656194}" type="datetimeFigureOut">
               <a:rPr lang="en-US" smtClean="0"/>
-              <a:t>3/12/24</a:t>
+              <a:t>3/15/24</a:t>
             </a:fld>
             <a:endParaRPr lang="en-US"/>
           </a:p>
@@ -1140,7 +1140,7 @@
           <a:p>
             <a:fld id="{697CBF4A-2AD2-1249-BC5E-D6BCA9656194}" type="datetimeFigureOut">
               <a:rPr lang="en-US" smtClean="0"/>
-              <a:t>3/12/24</a:t>
+              <a:t>3/15/24</a:t>
             </a:fld>
             <a:endParaRPr lang="en-US"/>
           </a:p>
@@ -1338,7 +1338,7 @@
           <a:p>
             <a:fld id="{697CBF4A-2AD2-1249-BC5E-D6BCA9656194}" type="datetimeFigureOut">
               <a:rPr lang="en-US" smtClean="0"/>
-              <a:t>3/12/24</a:t>
+              <a:t>3/15/24</a:t>
             </a:fld>
             <a:endParaRPr lang="en-US"/>
           </a:p>
@@ -1613,7 +1613,7 @@
           <a:p>
             <a:fld id="{697CBF4A-2AD2-1249-BC5E-D6BCA9656194}" type="datetimeFigureOut">
               <a:rPr lang="en-US" smtClean="0"/>
-              <a:t>3/12/24</a:t>
+              <a:t>3/15/24</a:t>
             </a:fld>
             <a:endParaRPr lang="en-US"/>
           </a:p>
@@ -1878,7 +1878,7 @@
           <a:p>
             <a:fld id="{697CBF4A-2AD2-1249-BC5E-D6BCA9656194}" type="datetimeFigureOut">
               <a:rPr lang="en-US" smtClean="0"/>
-              <a:t>3/12/24</a:t>
+              <a:t>3/15/24</a:t>
             </a:fld>
             <a:endParaRPr lang="en-US"/>
           </a:p>
@@ -2290,7 +2290,7 @@
           <a:p>
             <a:fld id="{697CBF4A-2AD2-1249-BC5E-D6BCA9656194}" type="datetimeFigureOut">
               <a:rPr lang="en-US" smtClean="0"/>
-              <a:t>3/12/24</a:t>
+              <a:t>3/15/24</a:t>
             </a:fld>
             <a:endParaRPr lang="en-US"/>
           </a:p>
@@ -2431,7 +2431,7 @@
           <a:p>
             <a:fld id="{697CBF4A-2AD2-1249-BC5E-D6BCA9656194}" type="datetimeFigureOut">
               <a:rPr lang="en-US" smtClean="0"/>
-              <a:t>3/12/24</a:t>
+              <a:t>3/15/24</a:t>
             </a:fld>
             <a:endParaRPr lang="en-US"/>
           </a:p>
@@ -2544,7 +2544,7 @@
           <a:p>
             <a:fld id="{697CBF4A-2AD2-1249-BC5E-D6BCA9656194}" type="datetimeFigureOut">
               <a:rPr lang="en-US" smtClean="0"/>
-              <a:t>3/12/24</a:t>
+              <a:t>3/15/24</a:t>
             </a:fld>
             <a:endParaRPr lang="en-US"/>
           </a:p>
@@ -2855,7 +2855,7 @@
           <a:p>
             <a:fld id="{697CBF4A-2AD2-1249-BC5E-D6BCA9656194}" type="datetimeFigureOut">
               <a:rPr lang="en-US" smtClean="0"/>
-              <a:t>3/12/24</a:t>
+              <a:t>3/15/24</a:t>
             </a:fld>
             <a:endParaRPr lang="en-US"/>
           </a:p>
@@ -3143,7 +3143,7 @@
           <a:p>
             <a:fld id="{697CBF4A-2AD2-1249-BC5E-D6BCA9656194}" type="datetimeFigureOut">
               <a:rPr lang="en-US" smtClean="0"/>
-              <a:t>3/12/24</a:t>
+              <a:t>3/15/24</a:t>
             </a:fld>
             <a:endParaRPr lang="en-US"/>
           </a:p>
@@ -3384,7 +3384,7 @@
           <a:p>
             <a:fld id="{697CBF4A-2AD2-1249-BC5E-D6BCA9656194}" type="datetimeFigureOut">
               <a:rPr lang="en-US" smtClean="0"/>
-              <a:t>3/12/24</a:t>
+              <a:t>3/15/24</a:t>
             </a:fld>
             <a:endParaRPr lang="en-US"/>
           </a:p>
@@ -3803,6 +3803,64 @@
       </p:grpSpPr>
       <p:sp>
         <p:nvSpPr>
+          <p:cNvPr id="27" name="Card 26">
+            <a:extLst>
+              <a:ext uri="{FF2B5EF4-FFF2-40B4-BE49-F238E27FC236}">
+                <a16:creationId xmlns:a16="http://schemas.microsoft.com/office/drawing/2014/main" id="{CD810C60-B9BA-DAE6-DECB-A554D6FEDC20}"/>
+              </a:ext>
+            </a:extLst>
+          </p:cNvPr>
+          <p:cNvSpPr/>
+          <p:nvPr/>
+        </p:nvSpPr>
+        <p:spPr>
+          <a:xfrm flipH="1">
+            <a:off x="5724894" y="1670569"/>
+            <a:ext cx="468226" cy="513921"/>
+          </a:xfrm>
+          <a:prstGeom prst="flowChartPunchedCard">
+            <a:avLst/>
+          </a:prstGeom>
+          <a:noFill/>
+          <a:ln w="19050">
+            <a:solidFill>
+              <a:schemeClr val="tx1"/>
+            </a:solidFill>
+          </a:ln>
+          <a:effectLst/>
+        </p:spPr>
+        <p:style>
+          <a:lnRef idx="1">
+            <a:schemeClr val="accent1"/>
+          </a:lnRef>
+          <a:fillRef idx="3">
+            <a:schemeClr val="accent1"/>
+          </a:fillRef>
+          <a:effectRef idx="2">
+            <a:schemeClr val="accent1"/>
+          </a:effectRef>
+          <a:fontRef idx="minor">
+            <a:schemeClr val="lt1"/>
+          </a:fontRef>
+        </p:style>
+        <p:txBody>
+          <a:bodyPr rtlCol="0" anchor="ctr"/>
+          <a:lstStyle/>
+          <a:p>
+            <a:pPr algn="ctr"/>
+            <a:endParaRPr lang="en-US" sz="1400" dirty="0">
+              <a:solidFill>
+                <a:schemeClr val="tx1"/>
+              </a:solidFill>
+              <a:latin typeface=""/>
+              <a:ea typeface="Tahoma" panose="020B0604030504040204" pitchFamily="34" charset="0"/>
+              <a:cs typeface="Tahoma" panose="020B0604030504040204" pitchFamily="34" charset="0"/>
+            </a:endParaRPr>
+          </a:p>
+        </p:txBody>
+      </p:sp>
+      <p:sp>
+        <p:nvSpPr>
           <p:cNvPr id="34" name="Rounded Rectangle 33">
             <a:extLst>
               <a:ext uri="{FF2B5EF4-FFF2-40B4-BE49-F238E27FC236}">
@@ -4106,9 +4164,7 @@
           <a:prstGeom prst="can">
             <a:avLst/>
           </a:prstGeom>
-          <a:solidFill>
-            <a:srgbClr val="00B0F0"/>
-          </a:solidFill>
+          <a:noFill/>
           <a:ln w="28575" cmpd="sng">
             <a:solidFill>
               <a:schemeClr val="tx1"/>
@@ -4168,9 +4224,7 @@
           <a:prstGeom prst="can">
             <a:avLst/>
           </a:prstGeom>
-          <a:solidFill>
-            <a:srgbClr val="0070C0"/>
-          </a:solidFill>
+          <a:noFill/>
           <a:ln w="28575" cmpd="sng">
             <a:solidFill>
               <a:schemeClr val="tx1"/>
@@ -4230,9 +4284,7 @@
           <a:prstGeom prst="can">
             <a:avLst/>
           </a:prstGeom>
-          <a:solidFill>
-            <a:srgbClr val="002060"/>
-          </a:solidFill>
+          <a:noFill/>
           <a:ln w="28575" cmpd="sng">
             <a:solidFill>
               <a:schemeClr val="tx1"/>
@@ -4354,9 +4406,7 @@
           <a:prstGeom prst="can">
             <a:avLst/>
           </a:prstGeom>
-          <a:solidFill>
-            <a:srgbClr val="0070C0"/>
-          </a:solidFill>
+          <a:noFill/>
           <a:ln w="28575" cmpd="sng">
             <a:solidFill>
               <a:schemeClr val="tx1"/>
@@ -4416,9 +4466,7 @@
           <a:prstGeom prst="can">
             <a:avLst/>
           </a:prstGeom>
-          <a:solidFill>
-            <a:srgbClr val="00B0F0"/>
-          </a:solidFill>
+          <a:noFill/>
           <a:ln w="28575" cmpd="sng">
             <a:solidFill>
               <a:schemeClr val="tx1"/>
@@ -4536,9 +4584,7 @@
           <a:prstGeom prst="can">
             <a:avLst/>
           </a:prstGeom>
-          <a:solidFill>
-            <a:srgbClr val="002060"/>
-          </a:solidFill>
+          <a:noFill/>
           <a:ln w="28575" cmpd="sng">
             <a:solidFill>
               <a:schemeClr val="tx1"/>
@@ -4959,9 +5005,7 @@
           <a:prstGeom prst="can">
             <a:avLst/>
           </a:prstGeom>
-          <a:solidFill>
-            <a:srgbClr val="00B0F0"/>
-          </a:solidFill>
+          <a:noFill/>
           <a:ln w="28575" cmpd="sng">
             <a:solidFill>
               <a:schemeClr val="tx1"/>
@@ -5021,9 +5065,7 @@
           <a:prstGeom prst="can">
             <a:avLst/>
           </a:prstGeom>
-          <a:solidFill>
-            <a:srgbClr val="0070C0"/>
-          </a:solidFill>
+          <a:noFill/>
           <a:ln w="28575" cmpd="sng">
             <a:solidFill>
               <a:schemeClr val="tx1"/>
@@ -6223,9 +6265,7 @@
           <a:prstGeom prst="can">
             <a:avLst/>
           </a:prstGeom>
-          <a:solidFill>
-            <a:srgbClr val="00B0F0"/>
-          </a:solidFill>
+          <a:noFill/>
           <a:ln w="28575" cmpd="sng">
             <a:solidFill>
               <a:schemeClr val="tx1"/>
@@ -6396,9 +6436,7 @@
           <a:prstGeom prst="can">
             <a:avLst/>
           </a:prstGeom>
-          <a:solidFill>
-            <a:srgbClr val="0070C0"/>
-          </a:solidFill>
+          <a:noFill/>
           <a:ln w="28575" cmpd="sng">
             <a:solidFill>
               <a:schemeClr val="tx1"/>
@@ -6519,9 +6557,7 @@
           <a:prstGeom prst="can">
             <a:avLst/>
           </a:prstGeom>
-          <a:solidFill>
-            <a:srgbClr val="00B0F0"/>
-          </a:solidFill>
+          <a:noFill/>
           <a:ln w="28575" cmpd="sng">
             <a:solidFill>
               <a:schemeClr val="tx1"/>
@@ -6581,9 +6617,7 @@
           <a:prstGeom prst="can">
             <a:avLst/>
           </a:prstGeom>
-          <a:solidFill>
-            <a:srgbClr val="0070C0"/>
-          </a:solidFill>
+          <a:noFill/>
           <a:ln w="28575" cmpd="sng">
             <a:solidFill>
               <a:schemeClr val="tx1"/>
@@ -7176,11 +7210,7 @@
           <a:prstGeom prst="can">
             <a:avLst/>
           </a:prstGeom>
-          <a:solidFill>
-            <a:schemeClr val="accent5">
-              <a:lumMod val="50000"/>
-            </a:schemeClr>
-          </a:solidFill>
+          <a:noFill/>
           <a:ln w="28575" cmpd="sng">
             <a:solidFill>
               <a:schemeClr val="tx1"/>
@@ -8223,67 +8253,6 @@
       </p:cxnSp>
       <p:sp>
         <p:nvSpPr>
-          <p:cNvPr id="27" name="Card 26">
-            <a:extLst>
-              <a:ext uri="{FF2B5EF4-FFF2-40B4-BE49-F238E27FC236}">
-                <a16:creationId xmlns:a16="http://schemas.microsoft.com/office/drawing/2014/main" id="{CD810C60-B9BA-DAE6-DECB-A554D6FEDC20}"/>
-              </a:ext>
-            </a:extLst>
-          </p:cNvPr>
-          <p:cNvSpPr/>
-          <p:nvPr/>
-        </p:nvSpPr>
-        <p:spPr>
-          <a:xfrm flipH="1">
-            <a:off x="5724894" y="1670569"/>
-            <a:ext cx="468226" cy="513921"/>
-          </a:xfrm>
-          <a:prstGeom prst="flowChartPunchedCard">
-            <a:avLst/>
-          </a:prstGeom>
-          <a:noFill/>
-          <a:ln w="19050">
-            <a:solidFill>
-              <a:schemeClr val="tx1"/>
-            </a:solidFill>
-          </a:ln>
-          <a:effectLst/>
-        </p:spPr>
-        <p:style>
-          <a:lnRef idx="1">
-            <a:schemeClr val="accent1"/>
-          </a:lnRef>
-          <a:fillRef idx="3">
-            <a:schemeClr val="accent1"/>
-          </a:fillRef>
-          <a:effectRef idx="2">
-            <a:schemeClr val="accent1"/>
-          </a:effectRef>
-          <a:fontRef idx="minor">
-            <a:schemeClr val="lt1"/>
-          </a:fontRef>
-        </p:style>
-        <p:txBody>
-          <a:bodyPr rtlCol="0" anchor="ctr"/>
-          <a:lstStyle/>
-          <a:p>
-            <a:pPr algn="ctr"/>
-            <a:r>
-              <a:rPr lang="en-US" sz="1400" dirty="0">
-                <a:solidFill>
-                  <a:schemeClr val="tx1"/>
-                </a:solidFill>
-                <a:latin typeface=""/>
-                <a:ea typeface="Tahoma" panose="020B0604030504040204" pitchFamily="34" charset="0"/>
-                <a:cs typeface="Tahoma" panose="020B0604030504040204" pitchFamily="34" charset="0"/>
-              </a:rPr>
-              <a:t>__</a:t>
-            </a:r>
-          </a:p>
-        </p:txBody>
-      </p:sp>
-      <p:sp>
-        <p:nvSpPr>
           <p:cNvPr id="59" name="TextBox 58">
             <a:extLst>
               <a:ext uri="{FF2B5EF4-FFF2-40B4-BE49-F238E27FC236}">
@@ -8435,11 +8404,7 @@
           <a:prstGeom prst="can">
             <a:avLst/>
           </a:prstGeom>
-          <a:solidFill>
-            <a:schemeClr val="accent5">
-              <a:lumMod val="50000"/>
-            </a:schemeClr>
-          </a:solidFill>
+          <a:noFill/>
           <a:ln w="28575" cmpd="sng">
             <a:solidFill>
               <a:schemeClr val="tx1"/>
@@ -8499,11 +8464,7 @@
           <a:prstGeom prst="can">
             <a:avLst/>
           </a:prstGeom>
-          <a:solidFill>
-            <a:schemeClr val="accent5">
-              <a:lumMod val="50000"/>
-            </a:schemeClr>
-          </a:solidFill>
+          <a:noFill/>
           <a:ln w="28575" cmpd="sng">
             <a:solidFill>
               <a:schemeClr val="tx1"/>
@@ -10270,9 +10231,7 @@
           <a:prstGeom prst="can">
             <a:avLst/>
           </a:prstGeom>
-          <a:solidFill>
-            <a:srgbClr val="0070C0"/>
-          </a:solidFill>
+          <a:noFill/>
           <a:ln w="28575" cmpd="sng">
             <a:solidFill>
               <a:schemeClr val="tx1"/>
@@ -10393,9 +10352,7 @@
           <a:prstGeom prst="can">
             <a:avLst/>
           </a:prstGeom>
-          <a:solidFill>
-            <a:srgbClr val="0070C0"/>
-          </a:solidFill>
+          <a:noFill/>
           <a:ln w="28575" cmpd="sng">
             <a:solidFill>
               <a:schemeClr val="tx1"/>
@@ -11569,760 +11526,651 @@
           </a:p>
         </p:txBody>
       </p:sp>
-      <p:sp>
-        <p:nvSpPr>
-          <p:cNvPr id="474" name="TextBox 473">
-            <a:extLst>
-              <a:ext uri="{FF2B5EF4-FFF2-40B4-BE49-F238E27FC236}">
-                <a16:creationId xmlns:a16="http://schemas.microsoft.com/office/drawing/2014/main" id="{73CDEB3E-7B6F-300D-7552-B257577AB74B}"/>
-              </a:ext>
-            </a:extLst>
-          </p:cNvPr>
-          <p:cNvSpPr txBox="1"/>
-          <p:nvPr/>
-        </p:nvSpPr>
-        <p:spPr>
-          <a:xfrm>
-            <a:off x="905073" y="2860254"/>
-            <a:ext cx="377686" cy="307777"/>
-          </a:xfrm>
-          <a:prstGeom prst="rect">
-            <a:avLst/>
-          </a:prstGeom>
-          <a:noFill/>
-        </p:spPr>
-        <p:txBody>
-          <a:bodyPr wrap="square">
-            <a:spAutoFit/>
-          </a:bodyPr>
-          <a:lstStyle/>
-          <a:p>
-            <a:r>
-              <a:rPr lang="en-US" sz="1400" dirty="0">
-                <a:solidFill>
-                  <a:schemeClr val="bg1"/>
-                </a:solidFill>
-                <a:latin typeface=""/>
-                <a:ea typeface="Tahoma" panose="020B0604030504040204" pitchFamily="34" charset="0"/>
-                <a:cs typeface="Tahoma" panose="020B0604030504040204" pitchFamily="34" charset="0"/>
-              </a:rPr>
-              <a:t>S</a:t>
-            </a:r>
-            <a:r>
-              <a:rPr lang="en-US" sz="1400" baseline="-25000" dirty="0">
-                <a:solidFill>
-                  <a:schemeClr val="bg1"/>
-                </a:solidFill>
-                <a:latin typeface=""/>
-                <a:ea typeface="Tahoma" panose="020B0604030504040204" pitchFamily="34" charset="0"/>
-                <a:cs typeface="Tahoma" panose="020B0604030504040204" pitchFamily="34" charset="0"/>
-              </a:rPr>
-              <a:t>2</a:t>
-            </a:r>
-            <a:endParaRPr lang="en-US" sz="1400" dirty="0">
-              <a:solidFill>
-                <a:schemeClr val="bg1"/>
-              </a:solidFill>
-            </a:endParaRPr>
-          </a:p>
-        </p:txBody>
-      </p:sp>
-      <p:sp>
-        <p:nvSpPr>
-          <p:cNvPr id="476" name="TextBox 475">
-            <a:extLst>
-              <a:ext uri="{FF2B5EF4-FFF2-40B4-BE49-F238E27FC236}">
-                <a16:creationId xmlns:a16="http://schemas.microsoft.com/office/drawing/2014/main" id="{B0FBF410-0198-FB69-8D03-187DA86C3A8A}"/>
-              </a:ext>
-            </a:extLst>
-          </p:cNvPr>
-          <p:cNvSpPr txBox="1"/>
-          <p:nvPr/>
-        </p:nvSpPr>
-        <p:spPr>
-          <a:xfrm>
-            <a:off x="898903" y="1788561"/>
-            <a:ext cx="388505" cy="307777"/>
-          </a:xfrm>
-          <a:prstGeom prst="rect">
-            <a:avLst/>
-          </a:prstGeom>
-          <a:noFill/>
-        </p:spPr>
-        <p:txBody>
-          <a:bodyPr wrap="square">
-            <a:spAutoFit/>
-          </a:bodyPr>
-          <a:lstStyle/>
-          <a:p>
-            <a:r>
-              <a:rPr lang="en-US" sz="1400" dirty="0">
-                <a:solidFill>
-                  <a:schemeClr val="bg1"/>
-                </a:solidFill>
-                <a:latin typeface=""/>
-                <a:ea typeface="Tahoma" panose="020B0604030504040204" pitchFamily="34" charset="0"/>
-                <a:cs typeface="Tahoma" panose="020B0604030504040204" pitchFamily="34" charset="0"/>
-              </a:rPr>
-              <a:t>S</a:t>
-            </a:r>
-            <a:r>
-              <a:rPr lang="en-US" sz="1400" baseline="-25000" dirty="0">
-                <a:solidFill>
-                  <a:schemeClr val="bg1"/>
-                </a:solidFill>
-                <a:latin typeface=""/>
-                <a:ea typeface="Tahoma" panose="020B0604030504040204" pitchFamily="34" charset="0"/>
-                <a:cs typeface="Tahoma" panose="020B0604030504040204" pitchFamily="34" charset="0"/>
-              </a:rPr>
-              <a:t>1</a:t>
-            </a:r>
-            <a:endParaRPr lang="en-US" sz="1600" dirty="0">
-              <a:solidFill>
-                <a:schemeClr val="bg1"/>
-              </a:solidFill>
-            </a:endParaRPr>
-          </a:p>
-        </p:txBody>
-      </p:sp>
-      <p:sp>
-        <p:nvSpPr>
-          <p:cNvPr id="478" name="TextBox 477">
-            <a:extLst>
-              <a:ext uri="{FF2B5EF4-FFF2-40B4-BE49-F238E27FC236}">
-                <a16:creationId xmlns:a16="http://schemas.microsoft.com/office/drawing/2014/main" id="{424AEC7A-77D2-A8A9-86DB-97EEC66F5EE8}"/>
-              </a:ext>
-            </a:extLst>
-          </p:cNvPr>
-          <p:cNvSpPr txBox="1"/>
-          <p:nvPr/>
-        </p:nvSpPr>
-        <p:spPr>
-          <a:xfrm>
-            <a:off x="916643" y="4090635"/>
-            <a:ext cx="329252" cy="307777"/>
-          </a:xfrm>
-          <a:prstGeom prst="rect">
-            <a:avLst/>
-          </a:prstGeom>
-          <a:noFill/>
-        </p:spPr>
-        <p:txBody>
-          <a:bodyPr wrap="square">
-            <a:spAutoFit/>
-          </a:bodyPr>
-          <a:lstStyle/>
-          <a:p>
-            <a:r>
-              <a:rPr lang="en-US" sz="1400" dirty="0">
-                <a:solidFill>
-                  <a:schemeClr val="bg1"/>
-                </a:solidFill>
-                <a:latin typeface=""/>
-                <a:ea typeface="Tahoma" panose="020B0604030504040204" pitchFamily="34" charset="0"/>
-                <a:cs typeface="Tahoma" panose="020B0604030504040204" pitchFamily="34" charset="0"/>
-              </a:rPr>
-              <a:t>S</a:t>
-            </a:r>
-            <a:r>
-              <a:rPr lang="en-US" sz="1400" baseline="-25000" dirty="0">
-                <a:solidFill>
-                  <a:schemeClr val="bg1"/>
-                </a:solidFill>
-                <a:latin typeface=""/>
-                <a:ea typeface="Tahoma" panose="020B0604030504040204" pitchFamily="34" charset="0"/>
-                <a:cs typeface="Tahoma" panose="020B0604030504040204" pitchFamily="34" charset="0"/>
-              </a:rPr>
-              <a:t>i</a:t>
-            </a:r>
-            <a:endParaRPr lang="en-US" sz="1400" dirty="0">
-              <a:solidFill>
-                <a:schemeClr val="bg1"/>
-              </a:solidFill>
-            </a:endParaRPr>
-          </a:p>
-        </p:txBody>
-      </p:sp>
-      <p:sp>
-        <p:nvSpPr>
-          <p:cNvPr id="479" name="TextBox 478">
-            <a:extLst>
-              <a:ext uri="{FF2B5EF4-FFF2-40B4-BE49-F238E27FC236}">
-                <a16:creationId xmlns:a16="http://schemas.microsoft.com/office/drawing/2014/main" id="{E4F2C94D-F6A8-EE10-7D0F-E788EA7DA40C}"/>
-              </a:ext>
-            </a:extLst>
-          </p:cNvPr>
-          <p:cNvSpPr txBox="1"/>
-          <p:nvPr/>
-        </p:nvSpPr>
-        <p:spPr>
-          <a:xfrm>
-            <a:off x="896233" y="4668884"/>
-            <a:ext cx="377686" cy="307777"/>
-          </a:xfrm>
-          <a:prstGeom prst="rect">
-            <a:avLst/>
-          </a:prstGeom>
-          <a:noFill/>
-        </p:spPr>
-        <p:txBody>
-          <a:bodyPr wrap="square">
-            <a:spAutoFit/>
-          </a:bodyPr>
-          <a:lstStyle/>
-          <a:p>
-            <a:r>
-              <a:rPr lang="en-US" sz="1400" dirty="0">
-                <a:solidFill>
-                  <a:schemeClr val="bg1"/>
-                </a:solidFill>
-                <a:latin typeface=""/>
-                <a:ea typeface="Tahoma" panose="020B0604030504040204" pitchFamily="34" charset="0"/>
-                <a:cs typeface="Tahoma" panose="020B0604030504040204" pitchFamily="34" charset="0"/>
-              </a:rPr>
-              <a:t>S</a:t>
-            </a:r>
-            <a:r>
-              <a:rPr lang="en-US" sz="1400" baseline="-25000" dirty="0">
-                <a:solidFill>
-                  <a:schemeClr val="bg1"/>
-                </a:solidFill>
-                <a:latin typeface=""/>
-                <a:ea typeface="Tahoma" panose="020B0604030504040204" pitchFamily="34" charset="0"/>
-                <a:cs typeface="Tahoma" panose="020B0604030504040204" pitchFamily="34" charset="0"/>
-              </a:rPr>
-              <a:t>n</a:t>
-            </a:r>
-            <a:endParaRPr lang="en-US" sz="1400" dirty="0">
-              <a:solidFill>
-                <a:schemeClr val="bg1"/>
-              </a:solidFill>
-            </a:endParaRPr>
-          </a:p>
-        </p:txBody>
-      </p:sp>
-      <p:sp>
-        <p:nvSpPr>
-          <p:cNvPr id="482" name="TextBox 481">
-            <a:extLst>
-              <a:ext uri="{FF2B5EF4-FFF2-40B4-BE49-F238E27FC236}">
-                <a16:creationId xmlns:a16="http://schemas.microsoft.com/office/drawing/2014/main" id="{D0346870-A14F-C94A-1306-4A6066676879}"/>
-              </a:ext>
-            </a:extLst>
-          </p:cNvPr>
-          <p:cNvSpPr txBox="1"/>
-          <p:nvPr/>
-        </p:nvSpPr>
-        <p:spPr>
-          <a:xfrm>
-            <a:off x="1547462" y="2858556"/>
-            <a:ext cx="371704" cy="307777"/>
-          </a:xfrm>
-          <a:prstGeom prst="rect">
-            <a:avLst/>
-          </a:prstGeom>
-          <a:noFill/>
-        </p:spPr>
-        <p:txBody>
-          <a:bodyPr wrap="square">
-            <a:spAutoFit/>
-          </a:bodyPr>
-          <a:lstStyle/>
-          <a:p>
-            <a:r>
-              <a:rPr lang="en-US" sz="1400" dirty="0">
-                <a:solidFill>
-                  <a:schemeClr val="bg1"/>
-                </a:solidFill>
-                <a:latin typeface=""/>
-                <a:ea typeface="Tahoma" panose="020B0604030504040204" pitchFamily="34" charset="0"/>
-                <a:cs typeface="Tahoma" panose="020B0604030504040204" pitchFamily="34" charset="0"/>
-              </a:rPr>
-              <a:t>S</a:t>
-            </a:r>
-            <a:r>
-              <a:rPr lang="en-US" sz="1400" baseline="-25000" dirty="0">
-                <a:solidFill>
-                  <a:schemeClr val="bg1"/>
-                </a:solidFill>
-                <a:latin typeface=""/>
-                <a:ea typeface="Tahoma" panose="020B0604030504040204" pitchFamily="34" charset="0"/>
-                <a:cs typeface="Tahoma" panose="020B0604030504040204" pitchFamily="34" charset="0"/>
-              </a:rPr>
-              <a:t>2</a:t>
-            </a:r>
-            <a:endParaRPr lang="en-US" sz="1400" dirty="0">
-              <a:solidFill>
-                <a:schemeClr val="bg1"/>
-              </a:solidFill>
-            </a:endParaRPr>
-          </a:p>
-        </p:txBody>
-      </p:sp>
-      <p:sp>
-        <p:nvSpPr>
-          <p:cNvPr id="483" name="TextBox 482">
-            <a:extLst>
-              <a:ext uri="{FF2B5EF4-FFF2-40B4-BE49-F238E27FC236}">
-                <a16:creationId xmlns:a16="http://schemas.microsoft.com/office/drawing/2014/main" id="{F594A9BB-516E-800C-74E7-2A23CFA5697A}"/>
-              </a:ext>
-            </a:extLst>
-          </p:cNvPr>
-          <p:cNvSpPr txBox="1"/>
-          <p:nvPr/>
-        </p:nvSpPr>
-        <p:spPr>
-          <a:xfrm>
-            <a:off x="1553279" y="1800739"/>
-            <a:ext cx="368726" cy="307777"/>
-          </a:xfrm>
-          <a:prstGeom prst="rect">
-            <a:avLst/>
-          </a:prstGeom>
-          <a:noFill/>
-        </p:spPr>
-        <p:txBody>
-          <a:bodyPr wrap="square">
-            <a:spAutoFit/>
-          </a:bodyPr>
-          <a:lstStyle/>
-          <a:p>
-            <a:r>
-              <a:rPr lang="en-US" sz="1400" dirty="0">
-                <a:solidFill>
-                  <a:schemeClr val="bg1"/>
-                </a:solidFill>
-                <a:latin typeface=""/>
-                <a:ea typeface="Tahoma" panose="020B0604030504040204" pitchFamily="34" charset="0"/>
-                <a:cs typeface="Tahoma" panose="020B0604030504040204" pitchFamily="34" charset="0"/>
-              </a:rPr>
-              <a:t>S</a:t>
-            </a:r>
-            <a:r>
-              <a:rPr lang="en-US" sz="1400" baseline="-25000" dirty="0">
-                <a:solidFill>
-                  <a:schemeClr val="bg1"/>
-                </a:solidFill>
-                <a:latin typeface=""/>
-                <a:ea typeface="Tahoma" panose="020B0604030504040204" pitchFamily="34" charset="0"/>
-                <a:cs typeface="Tahoma" panose="020B0604030504040204" pitchFamily="34" charset="0"/>
-              </a:rPr>
-              <a:t>1</a:t>
-            </a:r>
-            <a:endParaRPr lang="en-US" sz="1600" dirty="0">
-              <a:solidFill>
-                <a:schemeClr val="bg1"/>
-              </a:solidFill>
-            </a:endParaRPr>
-          </a:p>
-        </p:txBody>
-      </p:sp>
-      <p:sp>
-        <p:nvSpPr>
-          <p:cNvPr id="484" name="TextBox 483">
-            <a:extLst>
-              <a:ext uri="{FF2B5EF4-FFF2-40B4-BE49-F238E27FC236}">
-                <a16:creationId xmlns:a16="http://schemas.microsoft.com/office/drawing/2014/main" id="{56AA260B-87C3-8CD3-B1CE-4392F971BF01}"/>
-              </a:ext>
-            </a:extLst>
-          </p:cNvPr>
-          <p:cNvSpPr txBox="1"/>
-          <p:nvPr/>
-        </p:nvSpPr>
-        <p:spPr>
-          <a:xfrm>
-            <a:off x="1559032" y="4100813"/>
-            <a:ext cx="354615" cy="307777"/>
-          </a:xfrm>
-          <a:prstGeom prst="rect">
-            <a:avLst/>
-          </a:prstGeom>
-          <a:noFill/>
-        </p:spPr>
-        <p:txBody>
-          <a:bodyPr wrap="square">
-            <a:spAutoFit/>
-          </a:bodyPr>
-          <a:lstStyle/>
-          <a:p>
-            <a:r>
-              <a:rPr lang="en-US" sz="1400" dirty="0">
-                <a:solidFill>
-                  <a:schemeClr val="bg1"/>
-                </a:solidFill>
-                <a:latin typeface=""/>
-                <a:ea typeface="Tahoma" panose="020B0604030504040204" pitchFamily="34" charset="0"/>
-                <a:cs typeface="Tahoma" panose="020B0604030504040204" pitchFamily="34" charset="0"/>
-              </a:rPr>
-              <a:t>S</a:t>
-            </a:r>
-            <a:r>
-              <a:rPr lang="en-US" sz="1400" baseline="-25000" dirty="0">
-                <a:solidFill>
-                  <a:schemeClr val="bg1"/>
-                </a:solidFill>
-                <a:latin typeface=""/>
-                <a:ea typeface="Tahoma" panose="020B0604030504040204" pitchFamily="34" charset="0"/>
-                <a:cs typeface="Tahoma" panose="020B0604030504040204" pitchFamily="34" charset="0"/>
-              </a:rPr>
-              <a:t>i</a:t>
-            </a:r>
-            <a:endParaRPr lang="en-US" sz="1400" dirty="0">
-              <a:solidFill>
-                <a:schemeClr val="bg1"/>
-              </a:solidFill>
-            </a:endParaRPr>
-          </a:p>
-        </p:txBody>
-      </p:sp>
-      <p:sp>
-        <p:nvSpPr>
-          <p:cNvPr id="485" name="TextBox 484">
-            <a:extLst>
-              <a:ext uri="{FF2B5EF4-FFF2-40B4-BE49-F238E27FC236}">
-                <a16:creationId xmlns:a16="http://schemas.microsoft.com/office/drawing/2014/main" id="{5C5F5C7C-9B2A-C556-079F-3A53C1800BE9}"/>
-              </a:ext>
-            </a:extLst>
-          </p:cNvPr>
-          <p:cNvSpPr txBox="1"/>
-          <p:nvPr/>
-        </p:nvSpPr>
-        <p:spPr>
-          <a:xfrm>
-            <a:off x="5766219" y="2844687"/>
-            <a:ext cx="384027" cy="307777"/>
-          </a:xfrm>
-          <a:prstGeom prst="rect">
-            <a:avLst/>
-          </a:prstGeom>
-          <a:noFill/>
-        </p:spPr>
-        <p:txBody>
-          <a:bodyPr wrap="square">
-            <a:spAutoFit/>
-          </a:bodyPr>
-          <a:lstStyle/>
-          <a:p>
-            <a:r>
-              <a:rPr lang="en-US" sz="1400" dirty="0">
-                <a:solidFill>
-                  <a:schemeClr val="bg1"/>
-                </a:solidFill>
-                <a:latin typeface=""/>
-                <a:ea typeface="Tahoma" panose="020B0604030504040204" pitchFamily="34" charset="0"/>
-                <a:cs typeface="Tahoma" panose="020B0604030504040204" pitchFamily="34" charset="0"/>
-              </a:rPr>
-              <a:t>S</a:t>
-            </a:r>
-            <a:r>
-              <a:rPr lang="en-US" sz="1400" baseline="-25000" dirty="0">
-                <a:solidFill>
-                  <a:schemeClr val="bg1"/>
-                </a:solidFill>
-                <a:latin typeface=""/>
-                <a:ea typeface="Tahoma" panose="020B0604030504040204" pitchFamily="34" charset="0"/>
-                <a:cs typeface="Tahoma" panose="020B0604030504040204" pitchFamily="34" charset="0"/>
-              </a:rPr>
-              <a:t>2</a:t>
-            </a:r>
-            <a:endParaRPr lang="en-US" sz="1400" dirty="0">
-              <a:solidFill>
-                <a:schemeClr val="bg1"/>
-              </a:solidFill>
-            </a:endParaRPr>
-          </a:p>
-        </p:txBody>
-      </p:sp>
-      <p:sp>
-        <p:nvSpPr>
-          <p:cNvPr id="490" name="TextBox 489">
-            <a:extLst>
-              <a:ext uri="{FF2B5EF4-FFF2-40B4-BE49-F238E27FC236}">
-                <a16:creationId xmlns:a16="http://schemas.microsoft.com/office/drawing/2014/main" id="{4B6DFA75-414A-870F-1755-D876C5B3E5B0}"/>
-              </a:ext>
-            </a:extLst>
-          </p:cNvPr>
-          <p:cNvSpPr txBox="1"/>
-          <p:nvPr/>
-        </p:nvSpPr>
-        <p:spPr>
-          <a:xfrm>
-            <a:off x="5748283" y="1792808"/>
-            <a:ext cx="403465" cy="307777"/>
-          </a:xfrm>
-          <a:prstGeom prst="rect">
-            <a:avLst/>
-          </a:prstGeom>
-          <a:noFill/>
-        </p:spPr>
-        <p:txBody>
-          <a:bodyPr wrap="square">
-            <a:spAutoFit/>
-          </a:bodyPr>
-          <a:lstStyle/>
-          <a:p>
-            <a:r>
-              <a:rPr lang="en-US" sz="1400" dirty="0">
-                <a:solidFill>
-                  <a:schemeClr val="bg1"/>
-                </a:solidFill>
-                <a:latin typeface=""/>
-                <a:ea typeface="Tahoma" panose="020B0604030504040204" pitchFamily="34" charset="0"/>
-                <a:cs typeface="Tahoma" panose="020B0604030504040204" pitchFamily="34" charset="0"/>
-              </a:rPr>
-              <a:t>S</a:t>
-            </a:r>
-            <a:r>
-              <a:rPr lang="en-US" sz="1400" baseline="-25000" dirty="0">
-                <a:solidFill>
-                  <a:schemeClr val="bg1"/>
-                </a:solidFill>
-                <a:latin typeface=""/>
-                <a:ea typeface="Tahoma" panose="020B0604030504040204" pitchFamily="34" charset="0"/>
-                <a:cs typeface="Tahoma" panose="020B0604030504040204" pitchFamily="34" charset="0"/>
-              </a:rPr>
-              <a:t>1</a:t>
-            </a:r>
-            <a:endParaRPr lang="en-US" sz="1600" dirty="0">
-              <a:solidFill>
-                <a:schemeClr val="bg1"/>
-              </a:solidFill>
-            </a:endParaRPr>
-          </a:p>
-        </p:txBody>
-      </p:sp>
-      <p:sp>
-        <p:nvSpPr>
-          <p:cNvPr id="494" name="TextBox 493">
-            <a:extLst>
-              <a:ext uri="{FF2B5EF4-FFF2-40B4-BE49-F238E27FC236}">
-                <a16:creationId xmlns:a16="http://schemas.microsoft.com/office/drawing/2014/main" id="{08A486AA-B68C-7488-8AF1-C27CEFE20092}"/>
-              </a:ext>
-            </a:extLst>
-          </p:cNvPr>
-          <p:cNvSpPr txBox="1"/>
-          <p:nvPr/>
-        </p:nvSpPr>
-        <p:spPr>
-          <a:xfrm>
-            <a:off x="5763317" y="4665193"/>
-            <a:ext cx="384407" cy="307777"/>
-          </a:xfrm>
-          <a:prstGeom prst="rect">
-            <a:avLst/>
-          </a:prstGeom>
-          <a:noFill/>
-        </p:spPr>
-        <p:txBody>
-          <a:bodyPr wrap="square">
-            <a:spAutoFit/>
-          </a:bodyPr>
-          <a:lstStyle/>
-          <a:p>
-            <a:r>
-              <a:rPr lang="en-US" sz="1400" dirty="0">
-                <a:solidFill>
-                  <a:schemeClr val="bg1"/>
-                </a:solidFill>
-                <a:latin typeface=""/>
-                <a:ea typeface="Tahoma" panose="020B0604030504040204" pitchFamily="34" charset="0"/>
-                <a:cs typeface="Tahoma" panose="020B0604030504040204" pitchFamily="34" charset="0"/>
-              </a:rPr>
-              <a:t>S</a:t>
-            </a:r>
-            <a:r>
-              <a:rPr lang="en-US" sz="1400" baseline="-25000" dirty="0">
-                <a:solidFill>
-                  <a:schemeClr val="bg1"/>
-                </a:solidFill>
-                <a:latin typeface=""/>
-                <a:ea typeface="Tahoma" panose="020B0604030504040204" pitchFamily="34" charset="0"/>
-                <a:cs typeface="Tahoma" panose="020B0604030504040204" pitchFamily="34" charset="0"/>
-              </a:rPr>
-              <a:t>n</a:t>
-            </a:r>
-            <a:endParaRPr lang="en-US" sz="1400" dirty="0">
-              <a:solidFill>
-                <a:schemeClr val="bg1"/>
-              </a:solidFill>
-            </a:endParaRPr>
-          </a:p>
-        </p:txBody>
-      </p:sp>
-      <p:sp>
-        <p:nvSpPr>
-          <p:cNvPr id="495" name="TextBox 494">
-            <a:extLst>
-              <a:ext uri="{FF2B5EF4-FFF2-40B4-BE49-F238E27FC236}">
-                <a16:creationId xmlns:a16="http://schemas.microsoft.com/office/drawing/2014/main" id="{CCEED0E5-1837-B470-4F90-A04B0279E032}"/>
-              </a:ext>
-            </a:extLst>
-          </p:cNvPr>
-          <p:cNvSpPr txBox="1"/>
-          <p:nvPr/>
-        </p:nvSpPr>
-        <p:spPr>
-          <a:xfrm>
-            <a:off x="7404571" y="2836502"/>
-            <a:ext cx="370500" cy="307777"/>
-          </a:xfrm>
-          <a:prstGeom prst="rect">
-            <a:avLst/>
-          </a:prstGeom>
-          <a:noFill/>
-        </p:spPr>
-        <p:txBody>
-          <a:bodyPr wrap="square">
-            <a:spAutoFit/>
-          </a:bodyPr>
-          <a:lstStyle/>
-          <a:p>
-            <a:r>
-              <a:rPr lang="en-US" sz="1400" dirty="0">
-                <a:solidFill>
-                  <a:schemeClr val="bg1"/>
-                </a:solidFill>
-                <a:latin typeface=""/>
-                <a:ea typeface="Tahoma" panose="020B0604030504040204" pitchFamily="34" charset="0"/>
-                <a:cs typeface="Tahoma" panose="020B0604030504040204" pitchFamily="34" charset="0"/>
-              </a:rPr>
-              <a:t>S</a:t>
-            </a:r>
-            <a:r>
-              <a:rPr lang="en-US" sz="1400" baseline="-25000" dirty="0">
-                <a:solidFill>
-                  <a:schemeClr val="bg1"/>
-                </a:solidFill>
-                <a:latin typeface=""/>
-                <a:ea typeface="Tahoma" panose="020B0604030504040204" pitchFamily="34" charset="0"/>
-                <a:cs typeface="Tahoma" panose="020B0604030504040204" pitchFamily="34" charset="0"/>
-              </a:rPr>
-              <a:t>2</a:t>
-            </a:r>
-            <a:endParaRPr lang="en-US" sz="1400" dirty="0">
-              <a:solidFill>
-                <a:schemeClr val="bg1"/>
-              </a:solidFill>
-            </a:endParaRPr>
-          </a:p>
-        </p:txBody>
-      </p:sp>
-      <p:sp>
-        <p:nvSpPr>
-          <p:cNvPr id="496" name="TextBox 495">
-            <a:extLst>
-              <a:ext uri="{FF2B5EF4-FFF2-40B4-BE49-F238E27FC236}">
-                <a16:creationId xmlns:a16="http://schemas.microsoft.com/office/drawing/2014/main" id="{B2F50A5C-C9E6-C324-C04E-C12EA542C1D7}"/>
-              </a:ext>
-            </a:extLst>
-          </p:cNvPr>
-          <p:cNvSpPr txBox="1"/>
-          <p:nvPr/>
-        </p:nvSpPr>
-        <p:spPr>
-          <a:xfrm>
-            <a:off x="7404450" y="1796499"/>
-            <a:ext cx="376898" cy="307777"/>
-          </a:xfrm>
-          <a:prstGeom prst="rect">
-            <a:avLst/>
-          </a:prstGeom>
-          <a:noFill/>
-        </p:spPr>
-        <p:txBody>
-          <a:bodyPr wrap="square">
-            <a:spAutoFit/>
-          </a:bodyPr>
-          <a:lstStyle/>
-          <a:p>
-            <a:r>
-              <a:rPr lang="en-US" sz="1400" dirty="0">
-                <a:solidFill>
-                  <a:schemeClr val="bg1"/>
-                </a:solidFill>
-                <a:latin typeface=""/>
-                <a:ea typeface="Tahoma" panose="020B0604030504040204" pitchFamily="34" charset="0"/>
-                <a:cs typeface="Tahoma" panose="020B0604030504040204" pitchFamily="34" charset="0"/>
-              </a:rPr>
-              <a:t>S</a:t>
-            </a:r>
-            <a:r>
-              <a:rPr lang="en-US" sz="1400" baseline="-25000" dirty="0">
-                <a:solidFill>
-                  <a:schemeClr val="bg1"/>
-                </a:solidFill>
-                <a:latin typeface=""/>
-                <a:ea typeface="Tahoma" panose="020B0604030504040204" pitchFamily="34" charset="0"/>
-                <a:cs typeface="Tahoma" panose="020B0604030504040204" pitchFamily="34" charset="0"/>
-              </a:rPr>
-              <a:t>1</a:t>
-            </a:r>
-            <a:endParaRPr lang="en-US" sz="1600" dirty="0">
-              <a:solidFill>
-                <a:schemeClr val="bg1"/>
-              </a:solidFill>
-            </a:endParaRPr>
-          </a:p>
-        </p:txBody>
-      </p:sp>
-      <p:sp>
-        <p:nvSpPr>
-          <p:cNvPr id="497" name="TextBox 496">
-            <a:extLst>
-              <a:ext uri="{FF2B5EF4-FFF2-40B4-BE49-F238E27FC236}">
-                <a16:creationId xmlns:a16="http://schemas.microsoft.com/office/drawing/2014/main" id="{E33A4806-877D-740D-4844-0B123FF30605}"/>
-              </a:ext>
-            </a:extLst>
-          </p:cNvPr>
-          <p:cNvSpPr txBox="1"/>
-          <p:nvPr/>
-        </p:nvSpPr>
-        <p:spPr>
-          <a:xfrm>
-            <a:off x="7395731" y="4662946"/>
-            <a:ext cx="378356" cy="307777"/>
-          </a:xfrm>
-          <a:prstGeom prst="rect">
-            <a:avLst/>
-          </a:prstGeom>
-          <a:noFill/>
-        </p:spPr>
-        <p:txBody>
-          <a:bodyPr wrap="square">
-            <a:spAutoFit/>
-          </a:bodyPr>
-          <a:lstStyle/>
-          <a:p>
-            <a:r>
-              <a:rPr lang="en-US" sz="1400" dirty="0">
-                <a:solidFill>
-                  <a:schemeClr val="bg1"/>
-                </a:solidFill>
-                <a:latin typeface=""/>
-                <a:ea typeface="Tahoma" panose="020B0604030504040204" pitchFamily="34" charset="0"/>
-                <a:cs typeface="Tahoma" panose="020B0604030504040204" pitchFamily="34" charset="0"/>
-              </a:rPr>
-              <a:t>S</a:t>
-            </a:r>
-            <a:r>
-              <a:rPr lang="en-US" sz="1400" baseline="-25000" dirty="0">
-                <a:solidFill>
-                  <a:schemeClr val="bg1"/>
-                </a:solidFill>
-                <a:latin typeface=""/>
-                <a:ea typeface="Tahoma" panose="020B0604030504040204" pitchFamily="34" charset="0"/>
-                <a:cs typeface="Tahoma" panose="020B0604030504040204" pitchFamily="34" charset="0"/>
-              </a:rPr>
-              <a:t>n</a:t>
-            </a:r>
-            <a:endParaRPr lang="en-US" sz="1400" dirty="0">
-              <a:solidFill>
-                <a:schemeClr val="bg1"/>
-              </a:solidFill>
-            </a:endParaRPr>
-          </a:p>
-        </p:txBody>
-      </p:sp>
+      <p:grpSp>
+        <p:nvGrpSpPr>
+          <p:cNvPr id="2" name="Group 1">
+            <a:extLst>
+              <a:ext uri="{FF2B5EF4-FFF2-40B4-BE49-F238E27FC236}">
+                <a16:creationId xmlns:a16="http://schemas.microsoft.com/office/drawing/2014/main" id="{0CDD1DC4-C661-9ACC-89D2-F5009C557F9E}"/>
+              </a:ext>
+            </a:extLst>
+          </p:cNvPr>
+          <p:cNvGrpSpPr/>
+          <p:nvPr/>
+        </p:nvGrpSpPr>
+        <p:grpSpPr>
+          <a:xfrm>
+            <a:off x="894320" y="1797039"/>
+            <a:ext cx="6891053" cy="3168286"/>
+            <a:chOff x="890525" y="1797654"/>
+            <a:chExt cx="6891053" cy="3168286"/>
+          </a:xfrm>
+        </p:grpSpPr>
+        <p:sp>
+          <p:nvSpPr>
+            <p:cNvPr id="474" name="TextBox 473">
+              <a:extLst>
+                <a:ext uri="{FF2B5EF4-FFF2-40B4-BE49-F238E27FC236}">
+                  <a16:creationId xmlns:a16="http://schemas.microsoft.com/office/drawing/2014/main" id="{73CDEB3E-7B6F-300D-7552-B257577AB74B}"/>
+                </a:ext>
+              </a:extLst>
+            </p:cNvPr>
+            <p:cNvSpPr txBox="1"/>
+            <p:nvPr/>
+          </p:nvSpPr>
+          <p:spPr>
+            <a:xfrm>
+              <a:off x="899365" y="2855471"/>
+              <a:ext cx="377686" cy="307777"/>
+            </a:xfrm>
+            <a:prstGeom prst="rect">
+              <a:avLst/>
+            </a:prstGeom>
+            <a:noFill/>
+          </p:spPr>
+          <p:txBody>
+            <a:bodyPr wrap="square">
+              <a:spAutoFit/>
+            </a:bodyPr>
+            <a:lstStyle/>
+            <a:p>
+              <a:r>
+                <a:rPr lang="en-US" sz="1400" dirty="0">
+                  <a:latin typeface=""/>
+                  <a:ea typeface="Tahoma" panose="020B0604030504040204" pitchFamily="34" charset="0"/>
+                  <a:cs typeface="Tahoma" panose="020B0604030504040204" pitchFamily="34" charset="0"/>
+                </a:rPr>
+                <a:t>S</a:t>
+              </a:r>
+              <a:r>
+                <a:rPr lang="en-US" sz="1400" baseline="-25000" dirty="0">
+                  <a:latin typeface=""/>
+                  <a:ea typeface="Tahoma" panose="020B0604030504040204" pitchFamily="34" charset="0"/>
+                  <a:cs typeface="Tahoma" panose="020B0604030504040204" pitchFamily="34" charset="0"/>
+                </a:rPr>
+                <a:t>2</a:t>
+              </a:r>
+              <a:endParaRPr lang="en-US" sz="1400" dirty="0"/>
+            </a:p>
+          </p:txBody>
+        </p:sp>
+        <p:sp>
+          <p:nvSpPr>
+            <p:cNvPr id="476" name="TextBox 475">
+              <a:extLst>
+                <a:ext uri="{FF2B5EF4-FFF2-40B4-BE49-F238E27FC236}">
+                  <a16:creationId xmlns:a16="http://schemas.microsoft.com/office/drawing/2014/main" id="{B0FBF410-0198-FB69-8D03-187DA86C3A8A}"/>
+                </a:ext>
+              </a:extLst>
+            </p:cNvPr>
+            <p:cNvSpPr txBox="1"/>
+            <p:nvPr/>
+          </p:nvSpPr>
+          <p:spPr>
+            <a:xfrm>
+              <a:off x="893195" y="1801592"/>
+              <a:ext cx="388505" cy="307777"/>
+            </a:xfrm>
+            <a:prstGeom prst="rect">
+              <a:avLst/>
+            </a:prstGeom>
+            <a:noFill/>
+          </p:spPr>
+          <p:txBody>
+            <a:bodyPr wrap="square">
+              <a:spAutoFit/>
+            </a:bodyPr>
+            <a:lstStyle/>
+            <a:p>
+              <a:r>
+                <a:rPr lang="en-US" sz="1400" dirty="0">
+                  <a:latin typeface=""/>
+                  <a:ea typeface="Tahoma" panose="020B0604030504040204" pitchFamily="34" charset="0"/>
+                  <a:cs typeface="Tahoma" panose="020B0604030504040204" pitchFamily="34" charset="0"/>
+                </a:rPr>
+                <a:t>S</a:t>
+              </a:r>
+              <a:r>
+                <a:rPr lang="en-US" sz="1400" baseline="-25000" dirty="0">
+                  <a:latin typeface=""/>
+                  <a:ea typeface="Tahoma" panose="020B0604030504040204" pitchFamily="34" charset="0"/>
+                  <a:cs typeface="Tahoma" panose="020B0604030504040204" pitchFamily="34" charset="0"/>
+                </a:rPr>
+                <a:t>1</a:t>
+              </a:r>
+              <a:endParaRPr lang="en-US" sz="1600" dirty="0"/>
+            </a:p>
+          </p:txBody>
+        </p:sp>
+        <p:sp>
+          <p:nvSpPr>
+            <p:cNvPr id="478" name="TextBox 477">
+              <a:extLst>
+                <a:ext uri="{FF2B5EF4-FFF2-40B4-BE49-F238E27FC236}">
+                  <a16:creationId xmlns:a16="http://schemas.microsoft.com/office/drawing/2014/main" id="{424AEC7A-77D2-A8A9-86DB-97EEC66F5EE8}"/>
+                </a:ext>
+              </a:extLst>
+            </p:cNvPr>
+            <p:cNvSpPr txBox="1"/>
+            <p:nvPr/>
+          </p:nvSpPr>
+          <p:spPr>
+            <a:xfrm>
+              <a:off x="910935" y="4079914"/>
+              <a:ext cx="329252" cy="307777"/>
+            </a:xfrm>
+            <a:prstGeom prst="rect">
+              <a:avLst/>
+            </a:prstGeom>
+            <a:noFill/>
+          </p:spPr>
+          <p:txBody>
+            <a:bodyPr wrap="square">
+              <a:spAutoFit/>
+            </a:bodyPr>
+            <a:lstStyle/>
+            <a:p>
+              <a:r>
+                <a:rPr lang="en-US" sz="1400" dirty="0">
+                  <a:latin typeface=""/>
+                  <a:ea typeface="Tahoma" panose="020B0604030504040204" pitchFamily="34" charset="0"/>
+                  <a:cs typeface="Tahoma" panose="020B0604030504040204" pitchFamily="34" charset="0"/>
+                </a:rPr>
+                <a:t>S</a:t>
+              </a:r>
+              <a:r>
+                <a:rPr lang="en-US" sz="1400" baseline="-25000" dirty="0">
+                  <a:latin typeface=""/>
+                  <a:ea typeface="Tahoma" panose="020B0604030504040204" pitchFamily="34" charset="0"/>
+                  <a:cs typeface="Tahoma" panose="020B0604030504040204" pitchFamily="34" charset="0"/>
+                </a:rPr>
+                <a:t>i</a:t>
+              </a:r>
+              <a:endParaRPr lang="en-US" sz="1400" dirty="0"/>
+            </a:p>
+          </p:txBody>
+        </p:sp>
+        <p:sp>
+          <p:nvSpPr>
+            <p:cNvPr id="479" name="TextBox 478">
+              <a:extLst>
+                <a:ext uri="{FF2B5EF4-FFF2-40B4-BE49-F238E27FC236}">
+                  <a16:creationId xmlns:a16="http://schemas.microsoft.com/office/drawing/2014/main" id="{E4F2C94D-F6A8-EE10-7D0F-E788EA7DA40C}"/>
+                </a:ext>
+              </a:extLst>
+            </p:cNvPr>
+            <p:cNvSpPr txBox="1"/>
+            <p:nvPr/>
+          </p:nvSpPr>
+          <p:spPr>
+            <a:xfrm>
+              <a:off x="890525" y="4658163"/>
+              <a:ext cx="377686" cy="307777"/>
+            </a:xfrm>
+            <a:prstGeom prst="rect">
+              <a:avLst/>
+            </a:prstGeom>
+            <a:noFill/>
+          </p:spPr>
+          <p:txBody>
+            <a:bodyPr wrap="square">
+              <a:spAutoFit/>
+            </a:bodyPr>
+            <a:lstStyle/>
+            <a:p>
+              <a:r>
+                <a:rPr lang="en-US" sz="1400" dirty="0">
+                  <a:latin typeface=""/>
+                  <a:ea typeface="Tahoma" panose="020B0604030504040204" pitchFamily="34" charset="0"/>
+                  <a:cs typeface="Tahoma" panose="020B0604030504040204" pitchFamily="34" charset="0"/>
+                </a:rPr>
+                <a:t>S</a:t>
+              </a:r>
+              <a:r>
+                <a:rPr lang="en-US" sz="1400" baseline="-25000" dirty="0">
+                  <a:latin typeface=""/>
+                  <a:ea typeface="Tahoma" panose="020B0604030504040204" pitchFamily="34" charset="0"/>
+                  <a:cs typeface="Tahoma" panose="020B0604030504040204" pitchFamily="34" charset="0"/>
+                </a:rPr>
+                <a:t>n</a:t>
+              </a:r>
+              <a:endParaRPr lang="en-US" sz="1400" dirty="0"/>
+            </a:p>
+          </p:txBody>
+        </p:sp>
+        <p:sp>
+          <p:nvSpPr>
+            <p:cNvPr id="482" name="TextBox 481">
+              <a:extLst>
+                <a:ext uri="{FF2B5EF4-FFF2-40B4-BE49-F238E27FC236}">
+                  <a16:creationId xmlns:a16="http://schemas.microsoft.com/office/drawing/2014/main" id="{D0346870-A14F-C94A-1306-4A6066676879}"/>
+                </a:ext>
+              </a:extLst>
+            </p:cNvPr>
+            <p:cNvSpPr txBox="1"/>
+            <p:nvPr/>
+          </p:nvSpPr>
+          <p:spPr>
+            <a:xfrm>
+              <a:off x="1541754" y="2847835"/>
+              <a:ext cx="371704" cy="307777"/>
+            </a:xfrm>
+            <a:prstGeom prst="rect">
+              <a:avLst/>
+            </a:prstGeom>
+            <a:noFill/>
+          </p:spPr>
+          <p:txBody>
+            <a:bodyPr wrap="square">
+              <a:spAutoFit/>
+            </a:bodyPr>
+            <a:lstStyle/>
+            <a:p>
+              <a:r>
+                <a:rPr lang="en-US" sz="1400" dirty="0">
+                  <a:latin typeface=""/>
+                  <a:ea typeface="Tahoma" panose="020B0604030504040204" pitchFamily="34" charset="0"/>
+                  <a:cs typeface="Tahoma" panose="020B0604030504040204" pitchFamily="34" charset="0"/>
+                </a:rPr>
+                <a:t>S</a:t>
+              </a:r>
+              <a:r>
+                <a:rPr lang="en-US" sz="1400" baseline="-25000" dirty="0">
+                  <a:latin typeface=""/>
+                  <a:ea typeface="Tahoma" panose="020B0604030504040204" pitchFamily="34" charset="0"/>
+                  <a:cs typeface="Tahoma" panose="020B0604030504040204" pitchFamily="34" charset="0"/>
+                </a:rPr>
+                <a:t>2</a:t>
+              </a:r>
+              <a:endParaRPr lang="en-US" sz="1400" dirty="0"/>
+            </a:p>
+          </p:txBody>
+        </p:sp>
+        <p:sp>
+          <p:nvSpPr>
+            <p:cNvPr id="483" name="TextBox 482">
+              <a:extLst>
+                <a:ext uri="{FF2B5EF4-FFF2-40B4-BE49-F238E27FC236}">
+                  <a16:creationId xmlns:a16="http://schemas.microsoft.com/office/drawing/2014/main" id="{F594A9BB-516E-800C-74E7-2A23CFA5697A}"/>
+                </a:ext>
+              </a:extLst>
+            </p:cNvPr>
+            <p:cNvSpPr txBox="1"/>
+            <p:nvPr/>
+          </p:nvSpPr>
+          <p:spPr>
+            <a:xfrm>
+              <a:off x="1547571" y="1807832"/>
+              <a:ext cx="368726" cy="307777"/>
+            </a:xfrm>
+            <a:prstGeom prst="rect">
+              <a:avLst/>
+            </a:prstGeom>
+            <a:noFill/>
+          </p:spPr>
+          <p:txBody>
+            <a:bodyPr wrap="square">
+              <a:spAutoFit/>
+            </a:bodyPr>
+            <a:lstStyle/>
+            <a:p>
+              <a:r>
+                <a:rPr lang="en-US" sz="1400" dirty="0">
+                  <a:latin typeface=""/>
+                  <a:ea typeface="Tahoma" panose="020B0604030504040204" pitchFamily="34" charset="0"/>
+                  <a:cs typeface="Tahoma" panose="020B0604030504040204" pitchFamily="34" charset="0"/>
+                </a:rPr>
+                <a:t>S</a:t>
+              </a:r>
+              <a:r>
+                <a:rPr lang="en-US" sz="1400" baseline="-25000" dirty="0">
+                  <a:latin typeface=""/>
+                  <a:ea typeface="Tahoma" panose="020B0604030504040204" pitchFamily="34" charset="0"/>
+                  <a:cs typeface="Tahoma" panose="020B0604030504040204" pitchFamily="34" charset="0"/>
+                </a:rPr>
+                <a:t>1</a:t>
+              </a:r>
+              <a:endParaRPr lang="en-US" sz="1600" dirty="0"/>
+            </a:p>
+          </p:txBody>
+        </p:sp>
+        <p:sp>
+          <p:nvSpPr>
+            <p:cNvPr id="484" name="TextBox 483">
+              <a:extLst>
+                <a:ext uri="{FF2B5EF4-FFF2-40B4-BE49-F238E27FC236}">
+                  <a16:creationId xmlns:a16="http://schemas.microsoft.com/office/drawing/2014/main" id="{56AA260B-87C3-8CD3-B1CE-4392F971BF01}"/>
+                </a:ext>
+              </a:extLst>
+            </p:cNvPr>
+            <p:cNvSpPr txBox="1"/>
+            <p:nvPr/>
+          </p:nvSpPr>
+          <p:spPr>
+            <a:xfrm>
+              <a:off x="1553324" y="4090092"/>
+              <a:ext cx="354615" cy="307777"/>
+            </a:xfrm>
+            <a:prstGeom prst="rect">
+              <a:avLst/>
+            </a:prstGeom>
+            <a:noFill/>
+          </p:spPr>
+          <p:txBody>
+            <a:bodyPr wrap="square">
+              <a:spAutoFit/>
+            </a:bodyPr>
+            <a:lstStyle/>
+            <a:p>
+              <a:r>
+                <a:rPr lang="en-US" sz="1400" dirty="0">
+                  <a:latin typeface=""/>
+                  <a:ea typeface="Tahoma" panose="020B0604030504040204" pitchFamily="34" charset="0"/>
+                  <a:cs typeface="Tahoma" panose="020B0604030504040204" pitchFamily="34" charset="0"/>
+                </a:rPr>
+                <a:t>S</a:t>
+              </a:r>
+              <a:r>
+                <a:rPr lang="en-US" sz="1400" baseline="-25000" dirty="0">
+                  <a:latin typeface=""/>
+                  <a:ea typeface="Tahoma" panose="020B0604030504040204" pitchFamily="34" charset="0"/>
+                  <a:cs typeface="Tahoma" panose="020B0604030504040204" pitchFamily="34" charset="0"/>
+                </a:rPr>
+                <a:t>i</a:t>
+              </a:r>
+              <a:endParaRPr lang="en-US" sz="1400" dirty="0"/>
+            </a:p>
+          </p:txBody>
+        </p:sp>
+        <p:sp>
+          <p:nvSpPr>
+            <p:cNvPr id="485" name="TextBox 484">
+              <a:extLst>
+                <a:ext uri="{FF2B5EF4-FFF2-40B4-BE49-F238E27FC236}">
+                  <a16:creationId xmlns:a16="http://schemas.microsoft.com/office/drawing/2014/main" id="{5C5F5C7C-9B2A-C556-079F-3A53C1800BE9}"/>
+                </a:ext>
+              </a:extLst>
+            </p:cNvPr>
+            <p:cNvSpPr txBox="1"/>
+            <p:nvPr/>
+          </p:nvSpPr>
+          <p:spPr>
+            <a:xfrm>
+              <a:off x="5760511" y="2851780"/>
+              <a:ext cx="384027" cy="307777"/>
+            </a:xfrm>
+            <a:prstGeom prst="rect">
+              <a:avLst/>
+            </a:prstGeom>
+            <a:noFill/>
+          </p:spPr>
+          <p:txBody>
+            <a:bodyPr wrap="square">
+              <a:spAutoFit/>
+            </a:bodyPr>
+            <a:lstStyle/>
+            <a:p>
+              <a:r>
+                <a:rPr lang="en-US" sz="1400" dirty="0">
+                  <a:latin typeface=""/>
+                  <a:ea typeface="Tahoma" panose="020B0604030504040204" pitchFamily="34" charset="0"/>
+                  <a:cs typeface="Tahoma" panose="020B0604030504040204" pitchFamily="34" charset="0"/>
+                </a:rPr>
+                <a:t>S</a:t>
+              </a:r>
+              <a:r>
+                <a:rPr lang="en-US" sz="1400" baseline="-25000" dirty="0">
+                  <a:latin typeface=""/>
+                  <a:ea typeface="Tahoma" panose="020B0604030504040204" pitchFamily="34" charset="0"/>
+                  <a:cs typeface="Tahoma" panose="020B0604030504040204" pitchFamily="34" charset="0"/>
+                </a:rPr>
+                <a:t>2</a:t>
+              </a:r>
+              <a:endParaRPr lang="en-US" sz="1400" dirty="0"/>
+            </a:p>
+          </p:txBody>
+        </p:sp>
+        <p:sp>
+          <p:nvSpPr>
+            <p:cNvPr id="490" name="TextBox 489">
+              <a:extLst>
+                <a:ext uri="{FF2B5EF4-FFF2-40B4-BE49-F238E27FC236}">
+                  <a16:creationId xmlns:a16="http://schemas.microsoft.com/office/drawing/2014/main" id="{4B6DFA75-414A-870F-1755-D876C5B3E5B0}"/>
+                </a:ext>
+              </a:extLst>
+            </p:cNvPr>
+            <p:cNvSpPr txBox="1"/>
+            <p:nvPr/>
+          </p:nvSpPr>
+          <p:spPr>
+            <a:xfrm>
+              <a:off x="5754451" y="1799901"/>
+              <a:ext cx="403465" cy="307777"/>
+            </a:xfrm>
+            <a:prstGeom prst="rect">
+              <a:avLst/>
+            </a:prstGeom>
+            <a:noFill/>
+          </p:spPr>
+          <p:txBody>
+            <a:bodyPr wrap="square">
+              <a:spAutoFit/>
+            </a:bodyPr>
+            <a:lstStyle/>
+            <a:p>
+              <a:r>
+                <a:rPr lang="en-US" sz="1400" dirty="0">
+                  <a:latin typeface=""/>
+                  <a:ea typeface="Tahoma" panose="020B0604030504040204" pitchFamily="34" charset="0"/>
+                  <a:cs typeface="Tahoma" panose="020B0604030504040204" pitchFamily="34" charset="0"/>
+                </a:rPr>
+                <a:t>S</a:t>
+              </a:r>
+              <a:r>
+                <a:rPr lang="en-US" sz="1400" baseline="-25000" dirty="0">
+                  <a:latin typeface=""/>
+                  <a:ea typeface="Tahoma" panose="020B0604030504040204" pitchFamily="34" charset="0"/>
+                  <a:cs typeface="Tahoma" panose="020B0604030504040204" pitchFamily="34" charset="0"/>
+                </a:rPr>
+                <a:t>1</a:t>
+              </a:r>
+              <a:endParaRPr lang="en-US" sz="1600" dirty="0"/>
+            </a:p>
+          </p:txBody>
+        </p:sp>
+        <p:sp>
+          <p:nvSpPr>
+            <p:cNvPr id="494" name="TextBox 493">
+              <a:extLst>
+                <a:ext uri="{FF2B5EF4-FFF2-40B4-BE49-F238E27FC236}">
+                  <a16:creationId xmlns:a16="http://schemas.microsoft.com/office/drawing/2014/main" id="{08A486AA-B68C-7488-8AF1-C27CEFE20092}"/>
+                </a:ext>
+              </a:extLst>
+            </p:cNvPr>
+            <p:cNvSpPr txBox="1"/>
+            <p:nvPr/>
+          </p:nvSpPr>
+          <p:spPr>
+            <a:xfrm>
+              <a:off x="5757609" y="4654472"/>
+              <a:ext cx="384407" cy="307777"/>
+            </a:xfrm>
+            <a:prstGeom prst="rect">
+              <a:avLst/>
+            </a:prstGeom>
+            <a:noFill/>
+          </p:spPr>
+          <p:txBody>
+            <a:bodyPr wrap="square">
+              <a:spAutoFit/>
+            </a:bodyPr>
+            <a:lstStyle/>
+            <a:p>
+              <a:r>
+                <a:rPr lang="en-US" sz="1400" dirty="0">
+                  <a:latin typeface=""/>
+                  <a:ea typeface="Tahoma" panose="020B0604030504040204" pitchFamily="34" charset="0"/>
+                  <a:cs typeface="Tahoma" panose="020B0604030504040204" pitchFamily="34" charset="0"/>
+                </a:rPr>
+                <a:t>S</a:t>
+              </a:r>
+              <a:r>
+                <a:rPr lang="en-US" sz="1400" baseline="-25000" dirty="0">
+                  <a:latin typeface=""/>
+                  <a:ea typeface="Tahoma" panose="020B0604030504040204" pitchFamily="34" charset="0"/>
+                  <a:cs typeface="Tahoma" panose="020B0604030504040204" pitchFamily="34" charset="0"/>
+                </a:rPr>
+                <a:t>n</a:t>
+              </a:r>
+              <a:endParaRPr lang="en-US" sz="1400" dirty="0"/>
+            </a:p>
+          </p:txBody>
+        </p:sp>
+        <p:sp>
+          <p:nvSpPr>
+            <p:cNvPr id="495" name="TextBox 494">
+              <a:extLst>
+                <a:ext uri="{FF2B5EF4-FFF2-40B4-BE49-F238E27FC236}">
+                  <a16:creationId xmlns:a16="http://schemas.microsoft.com/office/drawing/2014/main" id="{CCEED0E5-1837-B470-4F90-A04B0279E032}"/>
+                </a:ext>
+              </a:extLst>
+            </p:cNvPr>
+            <p:cNvSpPr txBox="1"/>
+            <p:nvPr/>
+          </p:nvSpPr>
+          <p:spPr>
+            <a:xfrm>
+              <a:off x="7398863" y="2849533"/>
+              <a:ext cx="370500" cy="307777"/>
+            </a:xfrm>
+            <a:prstGeom prst="rect">
+              <a:avLst/>
+            </a:prstGeom>
+            <a:noFill/>
+          </p:spPr>
+          <p:txBody>
+            <a:bodyPr wrap="square">
+              <a:spAutoFit/>
+            </a:bodyPr>
+            <a:lstStyle/>
+            <a:p>
+              <a:r>
+                <a:rPr lang="en-US" sz="1400" dirty="0">
+                  <a:latin typeface=""/>
+                  <a:ea typeface="Tahoma" panose="020B0604030504040204" pitchFamily="34" charset="0"/>
+                  <a:cs typeface="Tahoma" panose="020B0604030504040204" pitchFamily="34" charset="0"/>
+                </a:rPr>
+                <a:t>S</a:t>
+              </a:r>
+              <a:r>
+                <a:rPr lang="en-US" sz="1400" baseline="-25000" dirty="0">
+                  <a:latin typeface=""/>
+                  <a:ea typeface="Tahoma" panose="020B0604030504040204" pitchFamily="34" charset="0"/>
+                  <a:cs typeface="Tahoma" panose="020B0604030504040204" pitchFamily="34" charset="0"/>
+                </a:rPr>
+                <a:t>2</a:t>
+              </a:r>
+              <a:endParaRPr lang="en-US" sz="1400" dirty="0"/>
+            </a:p>
+          </p:txBody>
+        </p:sp>
+        <p:sp>
+          <p:nvSpPr>
+            <p:cNvPr id="496" name="TextBox 495">
+              <a:extLst>
+                <a:ext uri="{FF2B5EF4-FFF2-40B4-BE49-F238E27FC236}">
+                  <a16:creationId xmlns:a16="http://schemas.microsoft.com/office/drawing/2014/main" id="{B2F50A5C-C9E6-C324-C04E-C12EA542C1D7}"/>
+                </a:ext>
+              </a:extLst>
+            </p:cNvPr>
+            <p:cNvSpPr txBox="1"/>
+            <p:nvPr/>
+          </p:nvSpPr>
+          <p:spPr>
+            <a:xfrm>
+              <a:off x="7404680" y="1797654"/>
+              <a:ext cx="376898" cy="307777"/>
+            </a:xfrm>
+            <a:prstGeom prst="rect">
+              <a:avLst/>
+            </a:prstGeom>
+            <a:noFill/>
+          </p:spPr>
+          <p:txBody>
+            <a:bodyPr wrap="square">
+              <a:spAutoFit/>
+            </a:bodyPr>
+            <a:lstStyle/>
+            <a:p>
+              <a:r>
+                <a:rPr lang="en-US" sz="1400" dirty="0">
+                  <a:latin typeface=""/>
+                  <a:ea typeface="Tahoma" panose="020B0604030504040204" pitchFamily="34" charset="0"/>
+                  <a:cs typeface="Tahoma" panose="020B0604030504040204" pitchFamily="34" charset="0"/>
+                </a:rPr>
+                <a:t>S</a:t>
+              </a:r>
+              <a:r>
+                <a:rPr lang="en-US" sz="1400" baseline="-25000" dirty="0">
+                  <a:latin typeface=""/>
+                  <a:ea typeface="Tahoma" panose="020B0604030504040204" pitchFamily="34" charset="0"/>
+                  <a:cs typeface="Tahoma" panose="020B0604030504040204" pitchFamily="34" charset="0"/>
+                </a:rPr>
+                <a:t>1</a:t>
+              </a:r>
+              <a:endParaRPr lang="en-US" sz="1600" dirty="0"/>
+            </a:p>
+          </p:txBody>
+        </p:sp>
+        <p:sp>
+          <p:nvSpPr>
+            <p:cNvPr id="497" name="TextBox 496">
+              <a:extLst>
+                <a:ext uri="{FF2B5EF4-FFF2-40B4-BE49-F238E27FC236}">
+                  <a16:creationId xmlns:a16="http://schemas.microsoft.com/office/drawing/2014/main" id="{E33A4806-877D-740D-4844-0B123FF30605}"/>
+                </a:ext>
+              </a:extLst>
+            </p:cNvPr>
+            <p:cNvSpPr txBox="1"/>
+            <p:nvPr/>
+          </p:nvSpPr>
+          <p:spPr>
+            <a:xfrm>
+              <a:off x="7390023" y="4658163"/>
+              <a:ext cx="378356" cy="307777"/>
+            </a:xfrm>
+            <a:prstGeom prst="rect">
+              <a:avLst/>
+            </a:prstGeom>
+            <a:noFill/>
+          </p:spPr>
+          <p:txBody>
+            <a:bodyPr wrap="square">
+              <a:spAutoFit/>
+            </a:bodyPr>
+            <a:lstStyle/>
+            <a:p>
+              <a:r>
+                <a:rPr lang="en-US" sz="1400" dirty="0">
+                  <a:latin typeface=""/>
+                  <a:ea typeface="Tahoma" panose="020B0604030504040204" pitchFamily="34" charset="0"/>
+                  <a:cs typeface="Tahoma" panose="020B0604030504040204" pitchFamily="34" charset="0"/>
+                </a:rPr>
+                <a:t>S</a:t>
+              </a:r>
+              <a:r>
+                <a:rPr lang="en-US" sz="1400" baseline="-25000" dirty="0">
+                  <a:latin typeface=""/>
+                  <a:ea typeface="Tahoma" panose="020B0604030504040204" pitchFamily="34" charset="0"/>
+                  <a:cs typeface="Tahoma" panose="020B0604030504040204" pitchFamily="34" charset="0"/>
+                </a:rPr>
+                <a:t>n</a:t>
+              </a:r>
+              <a:endParaRPr lang="en-US" sz="1400" dirty="0"/>
+            </a:p>
+          </p:txBody>
+        </p:sp>
+      </p:grpSp>
       <p:cxnSp>
         <p:nvCxnSpPr>
           <p:cNvPr id="93" name="Elbow Connector 92">
